--- a/2　会社概要.pptx
+++ b/2　会社概要.pptx
@@ -6,7 +6,8 @@
   </p:sldMasterIdLst>
   <p:sldIdLst>
     <p:sldId id="259" r:id="rId2"/>
-    <p:sldId id="258" r:id="rId3"/>
+    <p:sldId id="260" r:id="rId3"/>
+    <p:sldId id="258" r:id="rId4"/>
   </p:sldIdLst>
   <p:sldSz cx="9144000" cy="6858000" type="screen4x3"/>
   <p:notesSz cx="6858000" cy="9144000"/>
@@ -289,7 +290,7 @@
           <a:p>
             <a:fld id="{3328CF14-3C22-46AA-BD27-092C3034C246}" type="datetimeFigureOut">
               <a:rPr kumimoji="1" lang="ja-JP" altLang="en-US" smtClean="0"/>
-              <a:t>2018/8/7</a:t>
+              <a:t>2018/9/18</a:t>
             </a:fld>
             <a:endParaRPr kumimoji="1" lang="ja-JP" altLang="en-US"/>
           </a:p>
@@ -491,7 +492,7 @@
           <a:p>
             <a:fld id="{3328CF14-3C22-46AA-BD27-092C3034C246}" type="datetimeFigureOut">
               <a:rPr kumimoji="1" lang="ja-JP" altLang="en-US" smtClean="0"/>
-              <a:t>2018/8/7</a:t>
+              <a:t>2018/9/18</a:t>
             </a:fld>
             <a:endParaRPr kumimoji="1" lang="ja-JP" altLang="en-US"/>
           </a:p>
@@ -703,7 +704,7 @@
           <a:p>
             <a:fld id="{3328CF14-3C22-46AA-BD27-092C3034C246}" type="datetimeFigureOut">
               <a:rPr kumimoji="1" lang="ja-JP" altLang="en-US" smtClean="0"/>
-              <a:t>2018/8/7</a:t>
+              <a:t>2018/9/18</a:t>
             </a:fld>
             <a:endParaRPr kumimoji="1" lang="ja-JP" altLang="en-US"/>
           </a:p>
@@ -905,7 +906,7 @@
           <a:p>
             <a:fld id="{3328CF14-3C22-46AA-BD27-092C3034C246}" type="datetimeFigureOut">
               <a:rPr kumimoji="1" lang="ja-JP" altLang="en-US" smtClean="0"/>
-              <a:t>2018/8/7</a:t>
+              <a:t>2018/9/18</a:t>
             </a:fld>
             <a:endParaRPr kumimoji="1" lang="ja-JP" altLang="en-US"/>
           </a:p>
@@ -1151,7 +1152,7 @@
           <a:p>
             <a:fld id="{3328CF14-3C22-46AA-BD27-092C3034C246}" type="datetimeFigureOut">
               <a:rPr kumimoji="1" lang="ja-JP" altLang="en-US" smtClean="0"/>
-              <a:t>2018/8/7</a:t>
+              <a:t>2018/9/18</a:t>
             </a:fld>
             <a:endParaRPr kumimoji="1" lang="ja-JP" altLang="en-US"/>
           </a:p>
@@ -1503,7 +1504,7 @@
           <a:p>
             <a:fld id="{3328CF14-3C22-46AA-BD27-092C3034C246}" type="datetimeFigureOut">
               <a:rPr kumimoji="1" lang="ja-JP" altLang="en-US" smtClean="0"/>
-              <a:t>2018/8/7</a:t>
+              <a:t>2018/9/18</a:t>
             </a:fld>
             <a:endParaRPr kumimoji="1" lang="ja-JP" altLang="en-US"/>
           </a:p>
@@ -1989,7 +1990,7 @@
           <a:p>
             <a:fld id="{3328CF14-3C22-46AA-BD27-092C3034C246}" type="datetimeFigureOut">
               <a:rPr kumimoji="1" lang="ja-JP" altLang="en-US" smtClean="0"/>
-              <a:t>2018/8/7</a:t>
+              <a:t>2018/9/18</a:t>
             </a:fld>
             <a:endParaRPr kumimoji="1" lang="ja-JP" altLang="en-US"/>
           </a:p>
@@ -2107,7 +2108,7 @@
           <a:p>
             <a:fld id="{3328CF14-3C22-46AA-BD27-092C3034C246}" type="datetimeFigureOut">
               <a:rPr kumimoji="1" lang="ja-JP" altLang="en-US" smtClean="0"/>
-              <a:t>2018/8/7</a:t>
+              <a:t>2018/9/18</a:t>
             </a:fld>
             <a:endParaRPr kumimoji="1" lang="ja-JP" altLang="en-US"/>
           </a:p>
@@ -2202,7 +2203,7 @@
           <a:p>
             <a:fld id="{3328CF14-3C22-46AA-BD27-092C3034C246}" type="datetimeFigureOut">
               <a:rPr kumimoji="1" lang="ja-JP" altLang="en-US" smtClean="0"/>
-              <a:t>2018/8/7</a:t>
+              <a:t>2018/9/18</a:t>
             </a:fld>
             <a:endParaRPr kumimoji="1" lang="ja-JP" altLang="en-US"/>
           </a:p>
@@ -2511,7 +2512,7 @@
           <a:p>
             <a:fld id="{3328CF14-3C22-46AA-BD27-092C3034C246}" type="datetimeFigureOut">
               <a:rPr kumimoji="1" lang="ja-JP" altLang="en-US" smtClean="0"/>
-              <a:t>2018/8/7</a:t>
+              <a:t>2018/9/18</a:t>
             </a:fld>
             <a:endParaRPr kumimoji="1" lang="ja-JP" altLang="en-US"/>
           </a:p>
@@ -2764,7 +2765,7 @@
           <a:p>
             <a:fld id="{3328CF14-3C22-46AA-BD27-092C3034C246}" type="datetimeFigureOut">
               <a:rPr kumimoji="1" lang="ja-JP" altLang="en-US" smtClean="0"/>
-              <a:t>2018/8/7</a:t>
+              <a:t>2018/9/18</a:t>
             </a:fld>
             <a:endParaRPr kumimoji="1" lang="ja-JP" altLang="en-US"/>
           </a:p>
@@ -3009,7 +3010,7 @@
           <a:p>
             <a:fld id="{3328CF14-3C22-46AA-BD27-092C3034C246}" type="datetimeFigureOut">
               <a:rPr kumimoji="1" lang="ja-JP" altLang="en-US" smtClean="0"/>
-              <a:t>2018/8/7</a:t>
+              <a:t>2018/9/18</a:t>
             </a:fld>
             <a:endParaRPr kumimoji="1" lang="ja-JP" altLang="en-US"/>
           </a:p>
@@ -3384,6 +3385,312 @@
           <a:chExt cx="0" cy="0"/>
         </a:xfrm>
       </p:grpSpPr>
+      <p:sp>
+        <p:nvSpPr>
+          <p:cNvPr id="29" name="テキスト ボックス 28"/>
+          <p:cNvSpPr txBox="1"/>
+          <p:nvPr/>
+        </p:nvSpPr>
+        <p:spPr>
+          <a:xfrm>
+            <a:off x="252658" y="179348"/>
+            <a:ext cx="2820003" cy="461665"/>
+          </a:xfrm>
+          <a:prstGeom prst="rect">
+            <a:avLst/>
+          </a:prstGeom>
+          <a:solidFill>
+            <a:srgbClr val="00B050"/>
+          </a:solidFill>
+        </p:spPr>
+        <p:txBody>
+          <a:bodyPr wrap="none" rtlCol="0">
+            <a:spAutoFit/>
+          </a:bodyPr>
+          <a:lstStyle/>
+          <a:p>
+            <a:r>
+              <a:rPr kumimoji="1" lang="en-US" altLang="ja-JP" sz="2400" b="1" dirty="0" smtClean="0">
+                <a:solidFill>
+                  <a:schemeClr val="bg1"/>
+                </a:solidFill>
+              </a:rPr>
+              <a:t>2018</a:t>
+            </a:r>
+            <a:r>
+              <a:rPr kumimoji="1" lang="ja-JP" altLang="en-US" sz="2400" b="1" dirty="0" smtClean="0">
+                <a:solidFill>
+                  <a:schemeClr val="bg1"/>
+                </a:solidFill>
+              </a:rPr>
+              <a:t>年</a:t>
+            </a:r>
+            <a:r>
+              <a:rPr lang="en-US" altLang="ja-JP" sz="2400" b="1" dirty="0">
+                <a:solidFill>
+                  <a:schemeClr val="bg1"/>
+                </a:solidFill>
+              </a:rPr>
+              <a:t>9</a:t>
+            </a:r>
+            <a:r>
+              <a:rPr kumimoji="1" lang="ja-JP" altLang="en-US" sz="2400" b="1" dirty="0" smtClean="0">
+                <a:solidFill>
+                  <a:schemeClr val="bg1"/>
+                </a:solidFill>
+              </a:rPr>
+              <a:t>月</a:t>
+            </a:r>
+            <a:r>
+              <a:rPr lang="en-US" altLang="ja-JP" sz="2400" b="1" dirty="0">
+                <a:solidFill>
+                  <a:schemeClr val="bg1"/>
+                </a:solidFill>
+              </a:rPr>
+              <a:t>18</a:t>
+            </a:r>
+            <a:r>
+              <a:rPr kumimoji="1" lang="ja-JP" altLang="en-US" sz="2400" b="1" dirty="0" smtClean="0">
+                <a:solidFill>
+                  <a:schemeClr val="bg1"/>
+                </a:solidFill>
+              </a:rPr>
+              <a:t>日</a:t>
+            </a:r>
+            <a:r>
+              <a:rPr kumimoji="1" lang="ja-JP" altLang="en-US" sz="2400" b="1" dirty="0" smtClean="0">
+                <a:solidFill>
+                  <a:schemeClr val="bg1"/>
+                </a:solidFill>
+              </a:rPr>
+              <a:t>依頼</a:t>
+            </a:r>
+            <a:endParaRPr kumimoji="1" lang="ja-JP" altLang="en-US" sz="2400" b="1" dirty="0">
+              <a:solidFill>
+                <a:schemeClr val="bg1"/>
+              </a:solidFill>
+            </a:endParaRPr>
+          </a:p>
+        </p:txBody>
+      </p:sp>
+      <p:pic>
+        <p:nvPicPr>
+          <p:cNvPr id="3" name="Picture 2"/>
+          <p:cNvPicPr>
+            <a:picLocks noChangeAspect="1" noChangeArrowheads="1"/>
+          </p:cNvPicPr>
+          <p:nvPr/>
+        </p:nvPicPr>
+        <p:blipFill rotWithShape="1">
+          <a:blip r:embed="rId2">
+            <a:extLst>
+              <a:ext uri="{28A0092B-C50C-407E-A947-70E740481C1C}">
+                <a14:useLocalDpi xmlns:a14="http://schemas.microsoft.com/office/drawing/2010/main" val="0"/>
+              </a:ext>
+            </a:extLst>
+          </a:blip>
+          <a:srcRect l="27126" t="10569" r="26293" b="6324"/>
+          <a:stretch/>
+        </p:blipFill>
+        <p:spPr bwMode="auto">
+          <a:xfrm>
+            <a:off x="539552" y="1028347"/>
+            <a:ext cx="5258026" cy="5276876"/>
+          </a:xfrm>
+          <a:prstGeom prst="rect">
+            <a:avLst/>
+          </a:prstGeom>
+          <a:noFill/>
+          <a:ln>
+            <a:noFill/>
+          </a:ln>
+          <a:extLst>
+            <a:ext uri="{909E8E84-426E-40DD-AFC4-6F175D3DCCD1}">
+              <a14:hiddenFill xmlns:a14="http://schemas.microsoft.com/office/drawing/2010/main">
+                <a:solidFill>
+                  <a:schemeClr val="accent1"/>
+                </a:solidFill>
+              </a14:hiddenFill>
+            </a:ext>
+            <a:ext uri="{91240B29-F687-4F45-9708-019B960494DF}">
+              <a14:hiddenLine xmlns:a14="http://schemas.microsoft.com/office/drawing/2010/main" w="9525">
+                <a:solidFill>
+                  <a:schemeClr val="tx1"/>
+                </a:solidFill>
+                <a:miter lim="800000"/>
+                <a:headEnd/>
+                <a:tailEnd/>
+              </a14:hiddenLine>
+            </a:ext>
+          </a:extLst>
+        </p:spPr>
+      </p:pic>
+      <p:sp>
+        <p:nvSpPr>
+          <p:cNvPr id="33" name="円/楕円 32"/>
+          <p:cNvSpPr/>
+          <p:nvPr/>
+        </p:nvSpPr>
+        <p:spPr>
+          <a:xfrm>
+            <a:off x="2555775" y="4581128"/>
+            <a:ext cx="516885" cy="216024"/>
+          </a:xfrm>
+          <a:prstGeom prst="ellipse">
+            <a:avLst/>
+          </a:prstGeom>
+          <a:noFill/>
+          <a:ln w="9525">
+            <a:solidFill>
+              <a:srgbClr val="FF0000"/>
+            </a:solidFill>
+          </a:ln>
+        </p:spPr>
+        <p:style>
+          <a:lnRef idx="2">
+            <a:schemeClr val="accent1">
+              <a:shade val="50000"/>
+            </a:schemeClr>
+          </a:lnRef>
+          <a:fillRef idx="1">
+            <a:schemeClr val="accent1"/>
+          </a:fillRef>
+          <a:effectRef idx="0">
+            <a:schemeClr val="accent1"/>
+          </a:effectRef>
+          <a:fontRef idx="minor">
+            <a:schemeClr val="lt1"/>
+          </a:fontRef>
+        </p:style>
+        <p:txBody>
+          <a:bodyPr rtlCol="0" anchor="ctr"/>
+          <a:lstStyle/>
+          <a:p>
+            <a:pPr algn="ctr"/>
+            <a:endParaRPr kumimoji="1" lang="ja-JP" altLang="en-US"/>
+          </a:p>
+        </p:txBody>
+      </p:sp>
+      <p:sp>
+        <p:nvSpPr>
+          <p:cNvPr id="38" name="テキスト ボックス 37"/>
+          <p:cNvSpPr txBox="1"/>
+          <p:nvPr/>
+        </p:nvSpPr>
+        <p:spPr>
+          <a:xfrm>
+            <a:off x="3621177" y="5049470"/>
+            <a:ext cx="1790875" cy="261610"/>
+          </a:xfrm>
+          <a:prstGeom prst="rect">
+            <a:avLst/>
+          </a:prstGeom>
+          <a:noFill/>
+        </p:spPr>
+        <p:txBody>
+          <a:bodyPr wrap="none" rtlCol="0">
+            <a:spAutoFit/>
+          </a:bodyPr>
+          <a:lstStyle/>
+          <a:p>
+            <a:r>
+              <a:rPr lang="ja-JP" altLang="en-US" sz="1100" dirty="0" smtClean="0">
+                <a:solidFill>
+                  <a:srgbClr val="FF0000"/>
+                </a:solidFill>
+              </a:rPr>
+              <a:t>（本社工場</a:t>
+            </a:r>
+            <a:r>
+              <a:rPr lang="en-US" altLang="ja-JP" sz="1100" dirty="0" smtClean="0">
+                <a:solidFill>
+                  <a:srgbClr val="FF0000"/>
+                </a:solidFill>
+              </a:rPr>
+              <a:t>/</a:t>
+            </a:r>
+            <a:r>
+              <a:rPr lang="ja-JP" altLang="en-US" sz="1100" dirty="0" smtClean="0">
+                <a:solidFill>
+                  <a:srgbClr val="FF0000"/>
+                </a:solidFill>
+              </a:rPr>
+              <a:t>大分中津工場）</a:t>
+            </a:r>
+            <a:endParaRPr kumimoji="1" lang="en-US" altLang="ja-JP" sz="1100" dirty="0" smtClean="0">
+              <a:solidFill>
+                <a:srgbClr val="FF0000"/>
+              </a:solidFill>
+            </a:endParaRPr>
+          </a:p>
+        </p:txBody>
+      </p:sp>
+      <p:cxnSp>
+        <p:nvCxnSpPr>
+          <p:cNvPr id="37" name="直線矢印コネクタ 36"/>
+          <p:cNvCxnSpPr/>
+          <p:nvPr/>
+        </p:nvCxnSpPr>
+        <p:spPr>
+          <a:xfrm>
+            <a:off x="2928645" y="4797152"/>
+            <a:ext cx="659023" cy="360040"/>
+          </a:xfrm>
+          <a:prstGeom prst="straightConnector1">
+            <a:avLst/>
+          </a:prstGeom>
+          <a:ln>
+            <a:solidFill>
+              <a:srgbClr val="FF0000"/>
+            </a:solidFill>
+            <a:tailEnd type="arrow"/>
+          </a:ln>
+        </p:spPr>
+        <p:style>
+          <a:lnRef idx="1">
+            <a:schemeClr val="accent1"/>
+          </a:lnRef>
+          <a:fillRef idx="0">
+            <a:schemeClr val="accent1"/>
+          </a:fillRef>
+          <a:effectRef idx="0">
+            <a:schemeClr val="accent1"/>
+          </a:effectRef>
+          <a:fontRef idx="minor">
+            <a:schemeClr val="tx1"/>
+          </a:fontRef>
+        </p:style>
+      </p:cxnSp>
+    </p:spTree>
+    <p:extLst>
+      <p:ext uri="{BB962C8B-B14F-4D97-AF65-F5344CB8AC3E}">
+        <p14:creationId xmlns:p14="http://schemas.microsoft.com/office/powerpoint/2010/main" val="4073259176"/>
+      </p:ext>
+    </p:extLst>
+  </p:cSld>
+  <p:clrMapOvr>
+    <a:masterClrMapping/>
+  </p:clrMapOvr>
+</p:sld>
+</file>
+
+<file path=ppt/slides/slide2.xml><?xml version="1.0" encoding="utf-8"?>
+<p:sld xmlns:a="http://schemas.openxmlformats.org/drawingml/2006/main" xmlns:r="http://schemas.openxmlformats.org/officeDocument/2006/relationships" xmlns:p="http://schemas.openxmlformats.org/presentationml/2006/main">
+  <p:cSld>
+    <p:spTree>
+      <p:nvGrpSpPr>
+        <p:cNvPr id="1" name=""/>
+        <p:cNvGrpSpPr/>
+        <p:nvPr/>
+      </p:nvGrpSpPr>
+      <p:grpSpPr>
+        <a:xfrm>
+          <a:off x="0" y="0"/>
+          <a:ext cx="0" cy="0"/>
+          <a:chOff x="0" y="0"/>
+          <a:chExt cx="0" cy="0"/>
+        </a:xfrm>
+      </p:grpSpPr>
       <p:pic>
         <p:nvPicPr>
           <p:cNvPr id="1026" name="Picture 2"/>
@@ -5105,7 +5412,7 @@
     </p:spTree>
     <p:extLst>
       <p:ext uri="{BB962C8B-B14F-4D97-AF65-F5344CB8AC3E}">
-        <p14:creationId xmlns:p14="http://schemas.microsoft.com/office/powerpoint/2010/main" val="4073259176"/>
+        <p14:creationId xmlns:p14="http://schemas.microsoft.com/office/powerpoint/2010/main" val="1068702685"/>
       </p:ext>
     </p:extLst>
   </p:cSld>
@@ -5115,7 +5422,7 @@
 </p:sld>
 </file>
 
-<file path=ppt/slides/slide2.xml><?xml version="1.0" encoding="utf-8"?>
+<file path=ppt/slides/slide3.xml><?xml version="1.0" encoding="utf-8"?>
 <p:sld xmlns:a="http://schemas.openxmlformats.org/drawingml/2006/main" xmlns:r="http://schemas.openxmlformats.org/officeDocument/2006/relationships" xmlns:p="http://schemas.openxmlformats.org/presentationml/2006/main">
   <p:cSld>
     <p:spTree>
